--- a/Ingenium.pptx
+++ b/Ingenium.pptx
@@ -2,14 +2,14 @@
 <file path=ppt/presentation.xml><?xml version="1.0" encoding="utf-8"?>
 <p:presentation xmlns:a="http://schemas.openxmlformats.org/drawingml/2006/main" xmlns:r="http://schemas.openxmlformats.org/officeDocument/2006/relationships" xmlns:p="http://schemas.openxmlformats.org/presentationml/2006/main" saveSubsetFonts="1">
   <p:sldMasterIdLst>
-    <p:sldMasterId id="2147483648" r:id="rId1"/>
+    <p:sldMasterId id="2147483648" r:id="rId4"/>
   </p:sldMasterIdLst>
   <p:sldIdLst>
-    <p:sldId id="256" r:id="rId2"/>
-    <p:sldId id="257" r:id="rId3"/>
-    <p:sldId id="258" r:id="rId4"/>
-    <p:sldId id="261" r:id="rId5"/>
-    <p:sldId id="262" r:id="rId6"/>
+    <p:sldId id="256" r:id="rId5"/>
+    <p:sldId id="257" r:id="rId6"/>
+    <p:sldId id="258" r:id="rId7"/>
+    <p:sldId id="261" r:id="rId8"/>
+    <p:sldId id="262" r:id="rId9"/>
   </p:sldIdLst>
   <p:sldSz cx="12192000" cy="6858000"/>
   <p:notesSz cx="6858000" cy="9144000"/>
@@ -108,6 +108,11 @@
       </a:defRPr>
     </a:lvl9pPr>
   </p:defaultTextStyle>
+  <p:extLst>
+    <p:ext uri="{EFAFB233-063F-42B5-8137-9DF3F51BA10A}">
+      <p15:sldGuideLst xmlns:p15="http://schemas.microsoft.com/office/powerpoint/2012/main"/>
+    </p:ext>
+  </p:extLst>
 </p:presentation>
 </file>
 
@@ -260,7 +265,7 @@
           <a:p>
             <a:fld id="{22C5E78B-E89D-4E3B-B8EB-23A8EA3E90D0}" type="datetimeFigureOut">
               <a:rPr lang="it-IT" smtClean="0"/>
-              <a:t>14/03/2024</a:t>
+              <a:t>21/03/2024</a:t>
             </a:fld>
             <a:endParaRPr lang="it-IT"/>
           </a:p>
@@ -314,7 +319,7 @@
           <a:p>
             <a:fld id="{FC947953-D7E1-42AF-B679-88A4C2BA34E2}" type="slidenum">
               <a:rPr lang="it-IT" smtClean="0"/>
-              <a:t>‹#›</a:t>
+              <a:t>‹N›</a:t>
             </a:fld>
             <a:endParaRPr lang="it-IT"/>
           </a:p>
@@ -460,7 +465,7 @@
           <a:p>
             <a:fld id="{22C5E78B-E89D-4E3B-B8EB-23A8EA3E90D0}" type="datetimeFigureOut">
               <a:rPr lang="it-IT" smtClean="0"/>
-              <a:t>14/03/2024</a:t>
+              <a:t>21/03/2024</a:t>
             </a:fld>
             <a:endParaRPr lang="it-IT"/>
           </a:p>
@@ -514,7 +519,7 @@
           <a:p>
             <a:fld id="{FC947953-D7E1-42AF-B679-88A4C2BA34E2}" type="slidenum">
               <a:rPr lang="it-IT" smtClean="0"/>
-              <a:t>‹#›</a:t>
+              <a:t>‹N›</a:t>
             </a:fld>
             <a:endParaRPr lang="it-IT"/>
           </a:p>
@@ -670,7 +675,7 @@
           <a:p>
             <a:fld id="{22C5E78B-E89D-4E3B-B8EB-23A8EA3E90D0}" type="datetimeFigureOut">
               <a:rPr lang="it-IT" smtClean="0"/>
-              <a:t>14/03/2024</a:t>
+              <a:t>21/03/2024</a:t>
             </a:fld>
             <a:endParaRPr lang="it-IT"/>
           </a:p>
@@ -724,7 +729,7 @@
           <a:p>
             <a:fld id="{FC947953-D7E1-42AF-B679-88A4C2BA34E2}" type="slidenum">
               <a:rPr lang="it-IT" smtClean="0"/>
-              <a:t>‹#›</a:t>
+              <a:t>‹N›</a:t>
             </a:fld>
             <a:endParaRPr lang="it-IT"/>
           </a:p>
@@ -870,7 +875,7 @@
           <a:p>
             <a:fld id="{22C5E78B-E89D-4E3B-B8EB-23A8EA3E90D0}" type="datetimeFigureOut">
               <a:rPr lang="it-IT" smtClean="0"/>
-              <a:t>14/03/2024</a:t>
+              <a:t>21/03/2024</a:t>
             </a:fld>
             <a:endParaRPr lang="it-IT"/>
           </a:p>
@@ -924,7 +929,7 @@
           <a:p>
             <a:fld id="{FC947953-D7E1-42AF-B679-88A4C2BA34E2}" type="slidenum">
               <a:rPr lang="it-IT" smtClean="0"/>
-              <a:t>‹#›</a:t>
+              <a:t>‹N›</a:t>
             </a:fld>
             <a:endParaRPr lang="it-IT"/>
           </a:p>
@@ -1146,7 +1151,7 @@
           <a:p>
             <a:fld id="{22C5E78B-E89D-4E3B-B8EB-23A8EA3E90D0}" type="datetimeFigureOut">
               <a:rPr lang="it-IT" smtClean="0"/>
-              <a:t>14/03/2024</a:t>
+              <a:t>21/03/2024</a:t>
             </a:fld>
             <a:endParaRPr lang="it-IT"/>
           </a:p>
@@ -1200,7 +1205,7 @@
           <a:p>
             <a:fld id="{FC947953-D7E1-42AF-B679-88A4C2BA34E2}" type="slidenum">
               <a:rPr lang="it-IT" smtClean="0"/>
-              <a:t>‹#›</a:t>
+              <a:t>‹N›</a:t>
             </a:fld>
             <a:endParaRPr lang="it-IT"/>
           </a:p>
@@ -1414,7 +1419,7 @@
           <a:p>
             <a:fld id="{22C5E78B-E89D-4E3B-B8EB-23A8EA3E90D0}" type="datetimeFigureOut">
               <a:rPr lang="it-IT" smtClean="0"/>
-              <a:t>14/03/2024</a:t>
+              <a:t>21/03/2024</a:t>
             </a:fld>
             <a:endParaRPr lang="it-IT"/>
           </a:p>
@@ -1468,7 +1473,7 @@
           <a:p>
             <a:fld id="{FC947953-D7E1-42AF-B679-88A4C2BA34E2}" type="slidenum">
               <a:rPr lang="it-IT" smtClean="0"/>
-              <a:t>‹#›</a:t>
+              <a:t>‹N›</a:t>
             </a:fld>
             <a:endParaRPr lang="it-IT"/>
           </a:p>
@@ -1829,7 +1834,7 @@
           <a:p>
             <a:fld id="{22C5E78B-E89D-4E3B-B8EB-23A8EA3E90D0}" type="datetimeFigureOut">
               <a:rPr lang="it-IT" smtClean="0"/>
-              <a:t>14/03/2024</a:t>
+              <a:t>21/03/2024</a:t>
             </a:fld>
             <a:endParaRPr lang="it-IT"/>
           </a:p>
@@ -1883,7 +1888,7 @@
           <a:p>
             <a:fld id="{FC947953-D7E1-42AF-B679-88A4C2BA34E2}" type="slidenum">
               <a:rPr lang="it-IT" smtClean="0"/>
-              <a:t>‹#›</a:t>
+              <a:t>‹N›</a:t>
             </a:fld>
             <a:endParaRPr lang="it-IT"/>
           </a:p>
@@ -1971,7 +1976,7 @@
           <a:p>
             <a:fld id="{22C5E78B-E89D-4E3B-B8EB-23A8EA3E90D0}" type="datetimeFigureOut">
               <a:rPr lang="it-IT" smtClean="0"/>
-              <a:t>14/03/2024</a:t>
+              <a:t>21/03/2024</a:t>
             </a:fld>
             <a:endParaRPr lang="it-IT"/>
           </a:p>
@@ -2025,7 +2030,7 @@
           <a:p>
             <a:fld id="{FC947953-D7E1-42AF-B679-88A4C2BA34E2}" type="slidenum">
               <a:rPr lang="it-IT" smtClean="0"/>
-              <a:t>‹#›</a:t>
+              <a:t>‹N›</a:t>
             </a:fld>
             <a:endParaRPr lang="it-IT"/>
           </a:p>
@@ -2084,7 +2089,7 @@
           <a:p>
             <a:fld id="{22C5E78B-E89D-4E3B-B8EB-23A8EA3E90D0}" type="datetimeFigureOut">
               <a:rPr lang="it-IT" smtClean="0"/>
-              <a:t>14/03/2024</a:t>
+              <a:t>21/03/2024</a:t>
             </a:fld>
             <a:endParaRPr lang="it-IT"/>
           </a:p>
@@ -2138,7 +2143,7 @@
           <a:p>
             <a:fld id="{FC947953-D7E1-42AF-B679-88A4C2BA34E2}" type="slidenum">
               <a:rPr lang="it-IT" smtClean="0"/>
-              <a:t>‹#›</a:t>
+              <a:t>‹N›</a:t>
             </a:fld>
             <a:endParaRPr lang="it-IT"/>
           </a:p>
@@ -2397,7 +2402,7 @@
           <a:p>
             <a:fld id="{22C5E78B-E89D-4E3B-B8EB-23A8EA3E90D0}" type="datetimeFigureOut">
               <a:rPr lang="it-IT" smtClean="0"/>
-              <a:t>14/03/2024</a:t>
+              <a:t>21/03/2024</a:t>
             </a:fld>
             <a:endParaRPr lang="it-IT"/>
           </a:p>
@@ -2451,7 +2456,7 @@
           <a:p>
             <a:fld id="{FC947953-D7E1-42AF-B679-88A4C2BA34E2}" type="slidenum">
               <a:rPr lang="it-IT" smtClean="0"/>
-              <a:t>‹#›</a:t>
+              <a:t>‹N›</a:t>
             </a:fld>
             <a:endParaRPr lang="it-IT"/>
           </a:p>
@@ -2686,7 +2691,7 @@
           <a:p>
             <a:fld id="{22C5E78B-E89D-4E3B-B8EB-23A8EA3E90D0}" type="datetimeFigureOut">
               <a:rPr lang="it-IT" smtClean="0"/>
-              <a:t>14/03/2024</a:t>
+              <a:t>21/03/2024</a:t>
             </a:fld>
             <a:endParaRPr lang="it-IT"/>
           </a:p>
@@ -2740,7 +2745,7 @@
           <a:p>
             <a:fld id="{FC947953-D7E1-42AF-B679-88A4C2BA34E2}" type="slidenum">
               <a:rPr lang="it-IT" smtClean="0"/>
-              <a:t>‹#›</a:t>
+              <a:t>‹N›</a:t>
             </a:fld>
             <a:endParaRPr lang="it-IT"/>
           </a:p>
@@ -2929,7 +2934,7 @@
           <a:p>
             <a:fld id="{22C5E78B-E89D-4E3B-B8EB-23A8EA3E90D0}" type="datetimeFigureOut">
               <a:rPr lang="it-IT" smtClean="0"/>
-              <a:t>14/03/2024</a:t>
+              <a:t>21/03/2024</a:t>
             </a:fld>
             <a:endParaRPr lang="it-IT"/>
           </a:p>
@@ -3019,7 +3024,7 @@
           <a:p>
             <a:fld id="{FC947953-D7E1-42AF-B679-88A4C2BA34E2}" type="slidenum">
               <a:rPr lang="it-IT" smtClean="0"/>
-              <a:t>‹#›</a:t>
+              <a:t>‹N›</a:t>
             </a:fld>
             <a:endParaRPr lang="it-IT"/>
           </a:p>
@@ -3957,7 +3962,12 @@
             <p:ph type="title"/>
           </p:nvPr>
         </p:nvSpPr>
-        <p:spPr/>
+        <p:spPr>
+          <a:xfrm>
+            <a:off x="838200" y="317991"/>
+            <a:ext cx="10515600" cy="1325563"/>
+          </a:xfrm>
+        </p:spPr>
         <p:txBody>
           <a:bodyPr/>
           <a:lstStyle/>
@@ -3990,7 +4000,51 @@
           <a:bodyPr/>
           <a:lstStyle/>
           <a:p>
-            <a:endParaRPr lang="it-IT"/>
+            <a:r>
+              <a:rPr lang="it-IT" dirty="0"/>
+              <a:t>Cinematica</a:t>
+            </a:r>
+          </a:p>
+          <a:p>
+            <a:pPr lvl="1"/>
+            <a:r>
+              <a:rPr lang="it-IT" dirty="0"/>
+              <a:t>Moto circolare e forza centripeta</a:t>
+            </a:r>
+          </a:p>
+          <a:p>
+            <a:pPr lvl="1"/>
+            <a:r>
+              <a:rPr lang="it-IT" dirty="0"/>
+              <a:t>Accelerazione non uniforme</a:t>
+            </a:r>
+          </a:p>
+          <a:p>
+            <a:pPr lvl="1"/>
+            <a:r>
+              <a:rPr lang="it-IT" dirty="0"/>
+              <a:t>Moto parabolico, lunghezza della traiettoria</a:t>
+            </a:r>
+          </a:p>
+          <a:p>
+            <a:r>
+              <a:rPr lang="it-IT" dirty="0"/>
+              <a:t>Meccanica celeste</a:t>
+            </a:r>
+          </a:p>
+          <a:p>
+            <a:pPr lvl="1"/>
+            <a:r>
+              <a:rPr lang="it-IT" dirty="0"/>
+              <a:t>Orbite ellittiche </a:t>
+            </a:r>
+          </a:p>
+          <a:p>
+            <a:pPr lvl="1"/>
+            <a:r>
+              <a:rPr lang="it-IT" dirty="0"/>
+              <a:t>Soluzione numerica (Newton) dell’equazione di Keplero </a:t>
+            </a:r>
           </a:p>
         </p:txBody>
       </p:sp>
@@ -4015,7 +4069,65 @@
           <a:bodyPr/>
           <a:lstStyle/>
           <a:p>
-            <a:endParaRPr lang="it-IT"/>
+            <a:r>
+              <a:rPr lang="it-IT" dirty="0"/>
+              <a:t>Dinamica</a:t>
+            </a:r>
+          </a:p>
+          <a:p>
+            <a:pPr lvl="1"/>
+            <a:r>
+              <a:rPr lang="it-IT" dirty="0"/>
+              <a:t>Equazione differenziale della molla</a:t>
+            </a:r>
+          </a:p>
+          <a:p>
+            <a:pPr lvl="1"/>
+            <a:r>
+              <a:rPr lang="it-IT" dirty="0"/>
+              <a:t>Caduta in un fluido</a:t>
+            </a:r>
+          </a:p>
+          <a:p>
+            <a:pPr lvl="1"/>
+            <a:r>
+              <a:rPr lang="it-IT" dirty="0"/>
+              <a:t>Oscillazione del pendolo</a:t>
+            </a:r>
+          </a:p>
+          <a:p>
+            <a:pPr lvl="1"/>
+            <a:endParaRPr lang="it-IT" dirty="0"/>
+          </a:p>
+          <a:p>
+            <a:r>
+              <a:rPr lang="it-IT" dirty="0"/>
+              <a:t>Trattamento dei segnali</a:t>
+            </a:r>
+          </a:p>
+          <a:p>
+            <a:pPr lvl="1"/>
+            <a:r>
+              <a:rPr lang="it-IT" dirty="0"/>
+              <a:t>Filtri (Fourier)</a:t>
+            </a:r>
+          </a:p>
+          <a:p>
+            <a:pPr lvl="1"/>
+            <a:r>
+              <a:rPr lang="it-IT" dirty="0"/>
+              <a:t>Modulazione </a:t>
+            </a:r>
+            <a:r>
+              <a:rPr lang="it-IT"/>
+              <a:t>(Fourier)</a:t>
+            </a:r>
+          </a:p>
+          <a:p>
+            <a:pPr marL="457200" lvl="1" indent="0">
+              <a:buNone/>
+            </a:pPr>
+            <a:endParaRPr lang="it-IT" dirty="0"/>
           </a:p>
         </p:txBody>
       </p:sp>
@@ -4345,4 +4457,544 @@
     </a:ext>
   </a:extLst>
 </a:theme>
+</file>
+
+<file path=customXml/item1.xml><?xml version="1.0" encoding="utf-8"?>
+<?mso-contentType ?>
+<FormTemplates xmlns="http://schemas.microsoft.com/sharepoint/v3/contenttype/forms">
+  <Display>DocumentLibraryForm</Display>
+  <Edit>DocumentLibraryForm</Edit>
+  <New>DocumentLibraryForm</New>
+</FormTemplates>
+</file>
+
+<file path=customXml/item2.xml><?xml version="1.0" encoding="utf-8"?>
+<p:properties xmlns:p="http://schemas.microsoft.com/office/2006/metadata/properties" xmlns:xsi="http://www.w3.org/2001/XMLSchema-instance" xmlns:pc="http://schemas.microsoft.com/office/infopath/2007/PartnerControls">
+  <documentManagement>
+    <NotebookType xmlns="9f4fd55d-5168-4977-8924-059449287848" xsi:nil="true"/>
+    <Teachers xmlns="9f4fd55d-5168-4977-8924-059449287848">
+      <UserInfo>
+        <DisplayName/>
+        <AccountId xsi:nil="true"/>
+        <AccountType/>
+      </UserInfo>
+    </Teachers>
+    <Distribution_Groups xmlns="9f4fd55d-5168-4977-8924-059449287848" xsi:nil="true"/>
+    <AppVersion xmlns="9f4fd55d-5168-4977-8924-059449287848" xsi:nil="true"/>
+    <LMS_Mappings xmlns="9f4fd55d-5168-4977-8924-059449287848" xsi:nil="true"/>
+    <CultureName xmlns="9f4fd55d-5168-4977-8924-059449287848" xsi:nil="true"/>
+    <TeamsChannelId xmlns="9f4fd55d-5168-4977-8924-059449287848" xsi:nil="true"/>
+    <Invited_Students xmlns="9f4fd55d-5168-4977-8924-059449287848" xsi:nil="true"/>
+    <Is_Collaboration_Space_Locked xmlns="9f4fd55d-5168-4977-8924-059449287848" xsi:nil="true"/>
+    <Teams_Channel_Section_Location xmlns="9f4fd55d-5168-4977-8924-059449287848" xsi:nil="true"/>
+    <Templates xmlns="9f4fd55d-5168-4977-8924-059449287848" xsi:nil="true"/>
+    <Self_Registration_Enabled xmlns="9f4fd55d-5168-4977-8924-059449287848" xsi:nil="true"/>
+    <FolderType xmlns="9f4fd55d-5168-4977-8924-059449287848" xsi:nil="true"/>
+    <Invited_Teachers xmlns="9f4fd55d-5168-4977-8924-059449287848" xsi:nil="true"/>
+    <IsNotebookLocked xmlns="9f4fd55d-5168-4977-8924-059449287848" xsi:nil="true"/>
+    <_activity xmlns="9f4fd55d-5168-4977-8924-059449287848" xsi:nil="true"/>
+    <Math_Settings xmlns="9f4fd55d-5168-4977-8924-059449287848" xsi:nil="true"/>
+    <Students xmlns="9f4fd55d-5168-4977-8924-059449287848">
+      <UserInfo>
+        <DisplayName/>
+        <AccountId xsi:nil="true"/>
+        <AccountType/>
+      </UserInfo>
+    </Students>
+    <Student_Groups xmlns="9f4fd55d-5168-4977-8924-059449287848">
+      <UserInfo>
+        <DisplayName/>
+        <AccountId xsi:nil="true"/>
+        <AccountType/>
+      </UserInfo>
+    </Student_Groups>
+    <DefaultSectionNames xmlns="9f4fd55d-5168-4977-8924-059449287848" xsi:nil="true"/>
+    <Has_Teacher_Only_SectionGroup xmlns="9f4fd55d-5168-4977-8924-059449287848" xsi:nil="true"/>
+    <Owner xmlns="9f4fd55d-5168-4977-8924-059449287848">
+      <UserInfo>
+        <DisplayName/>
+        <AccountId xsi:nil="true"/>
+        <AccountType/>
+      </UserInfo>
+    </Owner>
+  </documentManagement>
+</p:properties>
+</file>
+
+<file path=customXml/item3.xml><?xml version="1.0" encoding="utf-8"?>
+<ct:contentTypeSchema xmlns:ct="http://schemas.microsoft.com/office/2006/metadata/contentType" xmlns:ma="http://schemas.microsoft.com/office/2006/metadata/properties/metaAttributes" ct:_="" ma:_="" ma:contentTypeName="Documento" ma:contentTypeID="0x010100340F1CCF8EACEC4CBD57DB77BBFC7635" ma:contentTypeVersion="38" ma:contentTypeDescription="Creare un nuovo documento." ma:contentTypeScope="" ma:versionID="ab1f47a3069094c31f9d2717b97f4968">
+  <xsd:schema xmlns:xsd="http://www.w3.org/2001/XMLSchema" xmlns:xs="http://www.w3.org/2001/XMLSchema" xmlns:p="http://schemas.microsoft.com/office/2006/metadata/properties" xmlns:ns3="9f4fd55d-5168-4977-8924-059449287848" xmlns:ns4="c99c86bc-e081-4e8d-a550-791361cbc0a6" targetNamespace="http://schemas.microsoft.com/office/2006/metadata/properties" ma:root="true" ma:fieldsID="f796b8e1c7db34e8dbf5afa556384864" ns3:_="" ns4:_="">
+    <xsd:import namespace="9f4fd55d-5168-4977-8924-059449287848"/>
+    <xsd:import namespace="c99c86bc-e081-4e8d-a550-791361cbc0a6"/>
+    <xsd:element name="properties">
+      <xsd:complexType>
+        <xsd:sequence>
+          <xsd:element name="documentManagement">
+            <xsd:complexType>
+              <xsd:all>
+                <xsd:element ref="ns3:NotebookType" minOccurs="0"/>
+                <xsd:element ref="ns3:FolderType" minOccurs="0"/>
+                <xsd:element ref="ns3:CultureName" minOccurs="0"/>
+                <xsd:element ref="ns3:AppVersion" minOccurs="0"/>
+                <xsd:element ref="ns3:TeamsChannelId" minOccurs="0"/>
+                <xsd:element ref="ns3:Owner" minOccurs="0"/>
+                <xsd:element ref="ns3:Math_Settings" minOccurs="0"/>
+                <xsd:element ref="ns3:DefaultSectionNames" minOccurs="0"/>
+                <xsd:element ref="ns3:Templates" minOccurs="0"/>
+                <xsd:element ref="ns3:Teachers" minOccurs="0"/>
+                <xsd:element ref="ns3:Students" minOccurs="0"/>
+                <xsd:element ref="ns3:Student_Groups" minOccurs="0"/>
+                <xsd:element ref="ns3:Distribution_Groups" minOccurs="0"/>
+                <xsd:element ref="ns3:LMS_Mappings" minOccurs="0"/>
+                <xsd:element ref="ns3:Invited_Teachers" minOccurs="0"/>
+                <xsd:element ref="ns3:Invited_Students" minOccurs="0"/>
+                <xsd:element ref="ns3:Self_Registration_Enabled" minOccurs="0"/>
+                <xsd:element ref="ns3:Has_Teacher_Only_SectionGroup" minOccurs="0"/>
+                <xsd:element ref="ns3:Is_Collaboration_Space_Locked" minOccurs="0"/>
+                <xsd:element ref="ns3:IsNotebookLocked" minOccurs="0"/>
+                <xsd:element ref="ns4:SharedWithUsers" minOccurs="0"/>
+                <xsd:element ref="ns4:SharedWithDetails" minOccurs="0"/>
+                <xsd:element ref="ns4:SharingHintHash" minOccurs="0"/>
+                <xsd:element ref="ns3:MediaServiceMetadata" minOccurs="0"/>
+                <xsd:element ref="ns3:MediaServiceFastMetadata" minOccurs="0"/>
+                <xsd:element ref="ns3:MediaServiceAutoTags" minOccurs="0"/>
+                <xsd:element ref="ns3:MediaServiceOCR" minOccurs="0"/>
+                <xsd:element ref="ns3:MediaServiceGenerationTime" minOccurs="0"/>
+                <xsd:element ref="ns3:MediaServiceEventHashCode" minOccurs="0"/>
+                <xsd:element ref="ns3:Teams_Channel_Section_Location" minOccurs="0"/>
+                <xsd:element ref="ns3:MediaServiceDateTaken" minOccurs="0"/>
+                <xsd:element ref="ns3:MediaServiceAutoKeyPoints" minOccurs="0"/>
+                <xsd:element ref="ns3:MediaServiceKeyPoints" minOccurs="0"/>
+                <xsd:element ref="ns3:MediaLengthInSeconds" minOccurs="0"/>
+                <xsd:element ref="ns3:_activity" minOccurs="0"/>
+                <xsd:element ref="ns3:MediaServiceObjectDetectorVersions" minOccurs="0"/>
+                <xsd:element ref="ns3:MediaServiceSystemTags" minOccurs="0"/>
+                <xsd:element ref="ns3:MediaServiceSearchProperties" minOccurs="0"/>
+              </xsd:all>
+            </xsd:complexType>
+          </xsd:element>
+        </xsd:sequence>
+      </xsd:complexType>
+    </xsd:element>
+  </xsd:schema>
+  <xsd:schema xmlns:xsd="http://www.w3.org/2001/XMLSchema" xmlns:xs="http://www.w3.org/2001/XMLSchema" xmlns:dms="http://schemas.microsoft.com/office/2006/documentManagement/types" xmlns:pc="http://schemas.microsoft.com/office/infopath/2007/PartnerControls" targetNamespace="9f4fd55d-5168-4977-8924-059449287848" elementFormDefault="qualified">
+    <xsd:import namespace="http://schemas.microsoft.com/office/2006/documentManagement/types"/>
+    <xsd:import namespace="http://schemas.microsoft.com/office/infopath/2007/PartnerControls"/>
+    <xsd:element name="NotebookType" ma:index="8" nillable="true" ma:displayName="Notebook Type" ma:internalName="NotebookType">
+      <xsd:simpleType>
+        <xsd:restriction base="dms:Text"/>
+      </xsd:simpleType>
+    </xsd:element>
+    <xsd:element name="FolderType" ma:index="9" nillable="true" ma:displayName="Folder Type" ma:internalName="FolderType">
+      <xsd:simpleType>
+        <xsd:restriction base="dms:Text"/>
+      </xsd:simpleType>
+    </xsd:element>
+    <xsd:element name="CultureName" ma:index="10" nillable="true" ma:displayName="Culture Name" ma:internalName="CultureName">
+      <xsd:simpleType>
+        <xsd:restriction base="dms:Text"/>
+      </xsd:simpleType>
+    </xsd:element>
+    <xsd:element name="AppVersion" ma:index="11" nillable="true" ma:displayName="App Version" ma:internalName="AppVersion">
+      <xsd:simpleType>
+        <xsd:restriction base="dms:Text"/>
+      </xsd:simpleType>
+    </xsd:element>
+    <xsd:element name="TeamsChannelId" ma:index="12" nillable="true" ma:displayName="Teams Channel Id" ma:internalName="TeamsChannelId">
+      <xsd:simpleType>
+        <xsd:restriction base="dms:Text"/>
+      </xsd:simpleType>
+    </xsd:element>
+    <xsd:element name="Owner" ma:index="13" nillable="true" ma:displayName="Owner" ma:internalName="Owner">
+      <xsd:complexType>
+        <xsd:complexContent>
+          <xsd:extension base="dms:User">
+            <xsd:sequence>
+              <xsd:element name="UserInfo" minOccurs="0" maxOccurs="unbounded">
+                <xsd:complexType>
+                  <xsd:sequence>
+                    <xsd:element name="DisplayName" type="xsd:string" minOccurs="0"/>
+                    <xsd:element name="AccountId" type="dms:UserId" minOccurs="0" nillable="true"/>
+                    <xsd:element name="AccountType" type="xsd:string" minOccurs="0"/>
+                  </xsd:sequence>
+                </xsd:complexType>
+              </xsd:element>
+            </xsd:sequence>
+          </xsd:extension>
+        </xsd:complexContent>
+      </xsd:complexType>
+    </xsd:element>
+    <xsd:element name="Math_Settings" ma:index="14" nillable="true" ma:displayName="Math Settings" ma:internalName="Math_Settings">
+      <xsd:simpleType>
+        <xsd:restriction base="dms:Text"/>
+      </xsd:simpleType>
+    </xsd:element>
+    <xsd:element name="DefaultSectionNames" ma:index="15" nillable="true" ma:displayName="Default Section Names" ma:internalName="DefaultSectionNames">
+      <xsd:simpleType>
+        <xsd:restriction base="dms:Note">
+          <xsd:maxLength value="255"/>
+        </xsd:restriction>
+      </xsd:simpleType>
+    </xsd:element>
+    <xsd:element name="Templates" ma:index="16" nillable="true" ma:displayName="Templates" ma:internalName="Templates">
+      <xsd:simpleType>
+        <xsd:restriction base="dms:Note">
+          <xsd:maxLength value="255"/>
+        </xsd:restriction>
+      </xsd:simpleType>
+    </xsd:element>
+    <xsd:element name="Teachers" ma:index="17" nillable="true" ma:displayName="Teachers" ma:internalName="Teachers">
+      <xsd:complexType>
+        <xsd:complexContent>
+          <xsd:extension base="dms:UserMulti">
+            <xsd:sequence>
+              <xsd:element name="UserInfo" minOccurs="0" maxOccurs="unbounded">
+                <xsd:complexType>
+                  <xsd:sequence>
+                    <xsd:element name="DisplayName" type="xsd:string" minOccurs="0"/>
+                    <xsd:element name="AccountId" type="dms:UserId" minOccurs="0" nillable="true"/>
+                    <xsd:element name="AccountType" type="xsd:string" minOccurs="0"/>
+                  </xsd:sequence>
+                </xsd:complexType>
+              </xsd:element>
+            </xsd:sequence>
+          </xsd:extension>
+        </xsd:complexContent>
+      </xsd:complexType>
+    </xsd:element>
+    <xsd:element name="Students" ma:index="18" nillable="true" ma:displayName="Students" ma:internalName="Students">
+      <xsd:complexType>
+        <xsd:complexContent>
+          <xsd:extension base="dms:UserMulti">
+            <xsd:sequence>
+              <xsd:element name="UserInfo" minOccurs="0" maxOccurs="unbounded">
+                <xsd:complexType>
+                  <xsd:sequence>
+                    <xsd:element name="DisplayName" type="xsd:string" minOccurs="0"/>
+                    <xsd:element name="AccountId" type="dms:UserId" minOccurs="0" nillable="true"/>
+                    <xsd:element name="AccountType" type="xsd:string" minOccurs="0"/>
+                  </xsd:sequence>
+                </xsd:complexType>
+              </xsd:element>
+            </xsd:sequence>
+          </xsd:extension>
+        </xsd:complexContent>
+      </xsd:complexType>
+    </xsd:element>
+    <xsd:element name="Student_Groups" ma:index="19" nillable="true" ma:displayName="Student Groups" ma:internalName="Student_Groups">
+      <xsd:complexType>
+        <xsd:complexContent>
+          <xsd:extension base="dms:UserMulti">
+            <xsd:sequence>
+              <xsd:element name="UserInfo" minOccurs="0" maxOccurs="unbounded">
+                <xsd:complexType>
+                  <xsd:sequence>
+                    <xsd:element name="DisplayName" type="xsd:string" minOccurs="0"/>
+                    <xsd:element name="AccountId" type="dms:UserId" minOccurs="0" nillable="true"/>
+                    <xsd:element name="AccountType" type="xsd:string" minOccurs="0"/>
+                  </xsd:sequence>
+                </xsd:complexType>
+              </xsd:element>
+            </xsd:sequence>
+          </xsd:extension>
+        </xsd:complexContent>
+      </xsd:complexType>
+    </xsd:element>
+    <xsd:element name="Distribution_Groups" ma:index="20" nillable="true" ma:displayName="Distribution Groups" ma:internalName="Distribution_Groups">
+      <xsd:simpleType>
+        <xsd:restriction base="dms:Note">
+          <xsd:maxLength value="255"/>
+        </xsd:restriction>
+      </xsd:simpleType>
+    </xsd:element>
+    <xsd:element name="LMS_Mappings" ma:index="21" nillable="true" ma:displayName="LMS Mappings" ma:internalName="LMS_Mappings">
+      <xsd:simpleType>
+        <xsd:restriction base="dms:Note">
+          <xsd:maxLength value="255"/>
+        </xsd:restriction>
+      </xsd:simpleType>
+    </xsd:element>
+    <xsd:element name="Invited_Teachers" ma:index="22" nillable="true" ma:displayName="Invited Teachers" ma:internalName="Invited_Teachers">
+      <xsd:simpleType>
+        <xsd:restriction base="dms:Note">
+          <xsd:maxLength value="255"/>
+        </xsd:restriction>
+      </xsd:simpleType>
+    </xsd:element>
+    <xsd:element name="Invited_Students" ma:index="23" nillable="true" ma:displayName="Invited Students" ma:internalName="Invited_Students">
+      <xsd:simpleType>
+        <xsd:restriction base="dms:Note">
+          <xsd:maxLength value="255"/>
+        </xsd:restriction>
+      </xsd:simpleType>
+    </xsd:element>
+    <xsd:element name="Self_Registration_Enabled" ma:index="24" nillable="true" ma:displayName="Self Registration Enabled" ma:internalName="Self_Registration_Enabled">
+      <xsd:simpleType>
+        <xsd:restriction base="dms:Boolean"/>
+      </xsd:simpleType>
+    </xsd:element>
+    <xsd:element name="Has_Teacher_Only_SectionGroup" ma:index="25" nillable="true" ma:displayName="Has Teacher Only SectionGroup" ma:internalName="Has_Teacher_Only_SectionGroup">
+      <xsd:simpleType>
+        <xsd:restriction base="dms:Boolean"/>
+      </xsd:simpleType>
+    </xsd:element>
+    <xsd:element name="Is_Collaboration_Space_Locked" ma:index="26" nillable="true" ma:displayName="Is Collaboration Space Locked" ma:internalName="Is_Collaboration_Space_Locked">
+      <xsd:simpleType>
+        <xsd:restriction base="dms:Boolean"/>
+      </xsd:simpleType>
+    </xsd:element>
+    <xsd:element name="IsNotebookLocked" ma:index="27" nillable="true" ma:displayName="Is Notebook Locked" ma:internalName="IsNotebookLocked">
+      <xsd:simpleType>
+        <xsd:restriction base="dms:Boolean"/>
+      </xsd:simpleType>
+    </xsd:element>
+    <xsd:element name="MediaServiceMetadata" ma:index="31" nillable="true" ma:displayName="MediaServiceMetadata" ma:hidden="true" ma:internalName="MediaServiceMetadata" ma:readOnly="true">
+      <xsd:simpleType>
+        <xsd:restriction base="dms:Note"/>
+      </xsd:simpleType>
+    </xsd:element>
+    <xsd:element name="MediaServiceFastMetadata" ma:index="32" nillable="true" ma:displayName="MediaServiceFastMetadata" ma:hidden="true" ma:internalName="MediaServiceFastMetadata" ma:readOnly="true">
+      <xsd:simpleType>
+        <xsd:restriction base="dms:Note"/>
+      </xsd:simpleType>
+    </xsd:element>
+    <xsd:element name="MediaServiceAutoTags" ma:index="33" nillable="true" ma:displayName="Tags" ma:internalName="MediaServiceAutoTags" ma:readOnly="true">
+      <xsd:simpleType>
+        <xsd:restriction base="dms:Text"/>
+      </xsd:simpleType>
+    </xsd:element>
+    <xsd:element name="MediaServiceOCR" ma:index="34" nillable="true" ma:displayName="Extracted Text" ma:internalName="MediaServiceOCR" ma:readOnly="true">
+      <xsd:simpleType>
+        <xsd:restriction base="dms:Note">
+          <xsd:maxLength value="255"/>
+        </xsd:restriction>
+      </xsd:simpleType>
+    </xsd:element>
+    <xsd:element name="MediaServiceGenerationTime" ma:index="35" nillable="true" ma:displayName="MediaServiceGenerationTime" ma:hidden="true" ma:internalName="MediaServiceGenerationTime" ma:readOnly="true">
+      <xsd:simpleType>
+        <xsd:restriction base="dms:Text"/>
+      </xsd:simpleType>
+    </xsd:element>
+    <xsd:element name="MediaServiceEventHashCode" ma:index="36" nillable="true" ma:displayName="MediaServiceEventHashCode" ma:hidden="true" ma:internalName="MediaServiceEventHashCode" ma:readOnly="true">
+      <xsd:simpleType>
+        <xsd:restriction base="dms:Text"/>
+      </xsd:simpleType>
+    </xsd:element>
+    <xsd:element name="Teams_Channel_Section_Location" ma:index="37" nillable="true" ma:displayName="Teams Channel Section Location" ma:internalName="Teams_Channel_Section_Location">
+      <xsd:simpleType>
+        <xsd:restriction base="dms:Text"/>
+      </xsd:simpleType>
+    </xsd:element>
+    <xsd:element name="MediaServiceDateTaken" ma:index="38" nillable="true" ma:displayName="MediaServiceDateTaken" ma:hidden="true" ma:internalName="MediaServiceDateTaken" ma:readOnly="true">
+      <xsd:simpleType>
+        <xsd:restriction base="dms:Text"/>
+      </xsd:simpleType>
+    </xsd:element>
+    <xsd:element name="MediaServiceAutoKeyPoints" ma:index="39" nillable="true" ma:displayName="MediaServiceAutoKeyPoints" ma:hidden="true" ma:internalName="MediaServiceAutoKeyPoints" ma:readOnly="true">
+      <xsd:simpleType>
+        <xsd:restriction base="dms:Note"/>
+      </xsd:simpleType>
+    </xsd:element>
+    <xsd:element name="MediaServiceKeyPoints" ma:index="40" nillable="true" ma:displayName="KeyPoints" ma:internalName="MediaServiceKeyPoints" ma:readOnly="true">
+      <xsd:simpleType>
+        <xsd:restriction base="dms:Note">
+          <xsd:maxLength value="255"/>
+        </xsd:restriction>
+      </xsd:simpleType>
+    </xsd:element>
+    <xsd:element name="MediaLengthInSeconds" ma:index="41" nillable="true" ma:displayName="Length (seconds)" ma:internalName="MediaLengthInSeconds" ma:readOnly="true">
+      <xsd:simpleType>
+        <xsd:restriction base="dms:Unknown"/>
+      </xsd:simpleType>
+    </xsd:element>
+    <xsd:element name="_activity" ma:index="42" nillable="true" ma:displayName="_activity" ma:hidden="true" ma:internalName="_activity">
+      <xsd:simpleType>
+        <xsd:restriction base="dms:Note"/>
+      </xsd:simpleType>
+    </xsd:element>
+    <xsd:element name="MediaServiceObjectDetectorVersions" ma:index="43" nillable="true" ma:displayName="MediaServiceObjectDetectorVersions" ma:hidden="true" ma:indexed="true" ma:internalName="MediaServiceObjectDetectorVersions" ma:readOnly="true">
+      <xsd:simpleType>
+        <xsd:restriction base="dms:Text"/>
+      </xsd:simpleType>
+    </xsd:element>
+    <xsd:element name="MediaServiceSystemTags" ma:index="44" nillable="true" ma:displayName="MediaServiceSystemTags" ma:hidden="true" ma:internalName="MediaServiceSystemTags" ma:readOnly="true">
+      <xsd:simpleType>
+        <xsd:restriction base="dms:Note"/>
+      </xsd:simpleType>
+    </xsd:element>
+    <xsd:element name="MediaServiceSearchProperties" ma:index="45" nillable="true" ma:displayName="MediaServiceSearchProperties" ma:hidden="true" ma:internalName="MediaServiceSearchProperties" ma:readOnly="true">
+      <xsd:simpleType>
+        <xsd:restriction base="dms:Note"/>
+      </xsd:simpleType>
+    </xsd:element>
+  </xsd:schema>
+  <xsd:schema xmlns:xsd="http://www.w3.org/2001/XMLSchema" xmlns:xs="http://www.w3.org/2001/XMLSchema" xmlns:dms="http://schemas.microsoft.com/office/2006/documentManagement/types" xmlns:pc="http://schemas.microsoft.com/office/infopath/2007/PartnerControls" targetNamespace="c99c86bc-e081-4e8d-a550-791361cbc0a6" elementFormDefault="qualified">
+    <xsd:import namespace="http://schemas.microsoft.com/office/2006/documentManagement/types"/>
+    <xsd:import namespace="http://schemas.microsoft.com/office/infopath/2007/PartnerControls"/>
+    <xsd:element name="SharedWithUsers" ma:index="28" nillable="true" ma:displayName="Condiviso con" ma:internalName="SharedWithUsers" ma:readOnly="true">
+      <xsd:complexType>
+        <xsd:complexContent>
+          <xsd:extension base="dms:UserMulti">
+            <xsd:sequence>
+              <xsd:element name="UserInfo" minOccurs="0" maxOccurs="unbounded">
+                <xsd:complexType>
+                  <xsd:sequence>
+                    <xsd:element name="DisplayName" type="xsd:string" minOccurs="0"/>
+                    <xsd:element name="AccountId" type="dms:UserId" minOccurs="0" nillable="true"/>
+                    <xsd:element name="AccountType" type="xsd:string" minOccurs="0"/>
+                  </xsd:sequence>
+                </xsd:complexType>
+              </xsd:element>
+            </xsd:sequence>
+          </xsd:extension>
+        </xsd:complexContent>
+      </xsd:complexType>
+    </xsd:element>
+    <xsd:element name="SharedWithDetails" ma:index="29" nillable="true" ma:displayName="Condiviso con dettagli" ma:internalName="SharedWithDetails" ma:readOnly="true">
+      <xsd:simpleType>
+        <xsd:restriction base="dms:Note">
+          <xsd:maxLength value="255"/>
+        </xsd:restriction>
+      </xsd:simpleType>
+    </xsd:element>
+    <xsd:element name="SharingHintHash" ma:index="30" nillable="true" ma:displayName="Hash suggerimento condivisione" ma:hidden="true" ma:internalName="SharingHintHash" ma:readOnly="true">
+      <xsd:simpleType>
+        <xsd:restriction base="dms:Text"/>
+      </xsd:simpleType>
+    </xsd:element>
+  </xsd:schema>
+  <xsd:schema xmlns="http://schemas.openxmlformats.org/package/2006/metadata/core-properties" xmlns:xsd="http://www.w3.org/2001/XMLSchema" xmlns:xsi="http://www.w3.org/2001/XMLSchema-instance" xmlns:dc="http://purl.org/dc/elements/1.1/" xmlns:dcterms="http://purl.org/dc/terms/" xmlns:odoc="http://schemas.microsoft.com/internal/obd" targetNamespace="http://schemas.openxmlformats.org/package/2006/metadata/core-properties" elementFormDefault="qualified" attributeFormDefault="unqualified" blockDefault="#all">
+    <xsd:import namespace="http://purl.org/dc/elements/1.1/" schemaLocation="http://dublincore.org/schemas/xmls/qdc/2003/04/02/dc.xsd"/>
+    <xsd:import namespace="http://purl.org/dc/terms/" schemaLocation="http://dublincore.org/schemas/xmls/qdc/2003/04/02/dcterms.xsd"/>
+    <xsd:element name="coreProperties" type="CT_coreProperties"/>
+    <xsd:complexType name="CT_coreProperties">
+      <xsd:all>
+        <xsd:element ref="dc:creator" minOccurs="0" maxOccurs="1"/>
+        <xsd:element ref="dcterms:created" minOccurs="0" maxOccurs="1"/>
+        <xsd:element ref="dc:identifier" minOccurs="0" maxOccurs="1"/>
+        <xsd:element name="contentType" minOccurs="0" maxOccurs="1" type="xsd:string" ma:index="0" ma:displayName="Tipo di contenuto"/>
+        <xsd:element ref="dc:title" minOccurs="0" maxOccurs="1" ma:index="4" ma:displayName="Titolo"/>
+        <xsd:element ref="dc:subject" minOccurs="0" maxOccurs="1"/>
+        <xsd:element ref="dc:description" minOccurs="0" maxOccurs="1"/>
+        <xsd:element name="keywords" minOccurs="0" maxOccurs="1" type="xsd:string"/>
+        <xsd:element ref="dc:language" minOccurs="0" maxOccurs="1"/>
+        <xsd:element name="category" minOccurs="0" maxOccurs="1" type="xsd:string"/>
+        <xsd:element name="version" minOccurs="0" maxOccurs="1" type="xsd:string"/>
+        <xsd:element name="revision" minOccurs="0" maxOccurs="1" type="xsd:string">
+          <xsd:annotation>
+            <xsd:documentation>
+                        This value indicates the number of saves or revisions. The application is responsible for updating this value after each revision.
+                    </xsd:documentation>
+          </xsd:annotation>
+        </xsd:element>
+        <xsd:element name="lastModifiedBy" minOccurs="0" maxOccurs="1" type="xsd:string"/>
+        <xsd:element ref="dcterms:modified" minOccurs="0" maxOccurs="1"/>
+        <xsd:element name="contentStatus" minOccurs="0" maxOccurs="1" type="xsd:string"/>
+      </xsd:all>
+    </xsd:complexType>
+  </xsd:schema>
+  <xs:schema xmlns:pc="http://schemas.microsoft.com/office/infopath/2007/PartnerControls" xmlns:xs="http://www.w3.org/2001/XMLSchema" targetNamespace="http://schemas.microsoft.com/office/infopath/2007/PartnerControls" elementFormDefault="qualified" attributeFormDefault="unqualified">
+    <xs:element name="Person">
+      <xs:complexType>
+        <xs:sequence>
+          <xs:element ref="pc:DisplayName" minOccurs="0"/>
+          <xs:element ref="pc:AccountId" minOccurs="0"/>
+          <xs:element ref="pc:AccountType" minOccurs="0"/>
+        </xs:sequence>
+      </xs:complexType>
+    </xs:element>
+    <xs:element name="DisplayName" type="xs:string"/>
+    <xs:element name="AccountId" type="xs:string"/>
+    <xs:element name="AccountType" type="xs:string"/>
+    <xs:element name="BDCAssociatedEntity">
+      <xs:complexType>
+        <xs:sequence>
+          <xs:element ref="pc:BDCEntity" minOccurs="0" maxOccurs="unbounded"/>
+        </xs:sequence>
+        <xs:attribute ref="pc:EntityNamespace"/>
+        <xs:attribute ref="pc:EntityName"/>
+        <xs:attribute ref="pc:SystemInstanceName"/>
+        <xs:attribute ref="pc:AssociationName"/>
+      </xs:complexType>
+    </xs:element>
+    <xs:attribute name="EntityNamespace" type="xs:string"/>
+    <xs:attribute name="EntityName" type="xs:string"/>
+    <xs:attribute name="SystemInstanceName" type="xs:string"/>
+    <xs:attribute name="AssociationName" type="xs:string"/>
+    <xs:element name="BDCEntity">
+      <xs:complexType>
+        <xs:sequence>
+          <xs:element ref="pc:EntityDisplayName" minOccurs="0"/>
+          <xs:element ref="pc:EntityInstanceReference" minOccurs="0"/>
+          <xs:element ref="pc:EntityId1" minOccurs="0"/>
+          <xs:element ref="pc:EntityId2" minOccurs="0"/>
+          <xs:element ref="pc:EntityId3" minOccurs="0"/>
+          <xs:element ref="pc:EntityId4" minOccurs="0"/>
+          <xs:element ref="pc:EntityId5" minOccurs="0"/>
+        </xs:sequence>
+      </xs:complexType>
+    </xs:element>
+    <xs:element name="EntityDisplayName" type="xs:string"/>
+    <xs:element name="EntityInstanceReference" type="xs:string"/>
+    <xs:element name="EntityId1" type="xs:string"/>
+    <xs:element name="EntityId2" type="xs:string"/>
+    <xs:element name="EntityId3" type="xs:string"/>
+    <xs:element name="EntityId4" type="xs:string"/>
+    <xs:element name="EntityId5" type="xs:string"/>
+    <xs:element name="Terms">
+      <xs:complexType>
+        <xs:sequence>
+          <xs:element ref="pc:TermInfo" minOccurs="0" maxOccurs="unbounded"/>
+        </xs:sequence>
+      </xs:complexType>
+    </xs:element>
+    <xs:element name="TermInfo">
+      <xs:complexType>
+        <xs:sequence>
+          <xs:element ref="pc:TermName" minOccurs="0"/>
+          <xs:element ref="pc:TermId" minOccurs="0"/>
+        </xs:sequence>
+      </xs:complexType>
+    </xs:element>
+    <xs:element name="TermName" type="xs:string"/>
+    <xs:element name="TermId" type="xs:string"/>
+  </xs:schema>
+</ct:contentTypeSchema>
+</file>
+
+<file path=customXml/itemProps1.xml><?xml version="1.0" encoding="utf-8"?>
+<ds:datastoreItem xmlns:ds="http://schemas.openxmlformats.org/officeDocument/2006/customXml" ds:itemID="{6E716264-2B8B-41DE-A87B-F6C4A85CADFD}">
+  <ds:schemaRefs>
+    <ds:schemaRef ds:uri="http://schemas.microsoft.com/sharepoint/v3/contenttype/forms"/>
+  </ds:schemaRefs>
+</ds:datastoreItem>
+</file>
+
+<file path=customXml/itemProps2.xml><?xml version="1.0" encoding="utf-8"?>
+<ds:datastoreItem xmlns:ds="http://schemas.openxmlformats.org/officeDocument/2006/customXml" ds:itemID="{5CFEA6E5-EC76-40AE-83BD-72B62EAE65C3}">
+  <ds:schemaRefs>
+    <ds:schemaRef ds:uri="http://schemas.microsoft.com/office/2006/metadata/properties"/>
+    <ds:schemaRef ds:uri="http://schemas.microsoft.com/office/infopath/2007/PartnerControls"/>
+    <ds:schemaRef ds:uri="9f4fd55d-5168-4977-8924-059449287848"/>
+  </ds:schemaRefs>
+</ds:datastoreItem>
+</file>
+
+<file path=customXml/itemProps3.xml><?xml version="1.0" encoding="utf-8"?>
+<ds:datastoreItem xmlns:ds="http://schemas.openxmlformats.org/officeDocument/2006/customXml" ds:itemID="{D0AFB06D-6C9D-4494-B46E-BE6E01B4766C}">
+  <ds:schemaRefs>
+    <ds:schemaRef ds:uri="http://schemas.microsoft.com/office/2006/metadata/contentType"/>
+    <ds:schemaRef ds:uri="http://schemas.microsoft.com/office/2006/metadata/properties/metaAttributes"/>
+    <ds:schemaRef ds:uri="http://www.w3.org/2001/XMLSchema"/>
+    <ds:schemaRef ds:uri="http://schemas.microsoft.com/office/2006/metadata/properties"/>
+    <ds:schemaRef ds:uri="9f4fd55d-5168-4977-8924-059449287848"/>
+    <ds:schemaRef ds:uri="c99c86bc-e081-4e8d-a550-791361cbc0a6"/>
+    <ds:schemaRef ds:uri="http://schemas.microsoft.com/office/2006/documentManagement/types"/>
+    <ds:schemaRef ds:uri="http://schemas.microsoft.com/office/infopath/2007/PartnerControls"/>
+    <ds:schemaRef ds:uri="http://schemas.openxmlformats.org/package/2006/metadata/core-properties"/>
+    <ds:schemaRef ds:uri="http://purl.org/dc/elements/1.1/"/>
+    <ds:schemaRef ds:uri="http://purl.org/dc/terms/"/>
+    <ds:schemaRef ds:uri="http://schemas.microsoft.com/internal/obd"/>
+  </ds:schemaRefs>
+</ds:datastoreItem>
 </file>